--- a/presentation/HealHub_prez2atta.pptx
+++ b/presentation/HealHub_prez2atta.pptx
@@ -1505,7 +1505,7 @@
         </p:nvSpPr>
         <p:spPr>
           <a:xfrm>
-            <a:off x="-407504" y="0"/>
+            <a:off x="-2" y="0"/>
             <a:ext cx="14630400" cy="8229600"/>
           </a:xfrm>
           <a:prstGeom prst="rect">
@@ -1586,7 +1586,7 @@
               <a:buNone/>
             </a:pPr>
             <a:r>
-              <a:rPr lang="ru-RU" sz="2400" dirty="0" smtClean="0">
+              <a:rPr lang="ru-RU" sz="3400" dirty="0" smtClean="0">
                 <a:solidFill>
                   <a:srgbClr val="383838"/>
                 </a:solidFill>
@@ -1596,7 +1596,7 @@
               </a:rPr>
               <a:t>Сделано:</a:t>
             </a:r>
-            <a:endParaRPr lang="en-US" sz="2400" dirty="0"/>
+            <a:endParaRPr lang="en-US" sz="3400" dirty="0"/>
           </a:p>
         </p:txBody>
       </p:sp>
@@ -1658,7 +1658,7 @@
               <a:buNone/>
             </a:pPr>
             <a:r>
-              <a:rPr lang="ru-RU" sz="2400" dirty="0" smtClean="0">
+              <a:rPr lang="ru-RU" sz="3400" dirty="0" smtClean="0">
                 <a:solidFill>
                   <a:srgbClr val="383838"/>
                 </a:solidFill>
@@ -1668,7 +1668,7 @@
               </a:rPr>
               <a:t>В планах:</a:t>
             </a:r>
-            <a:endParaRPr lang="en-US" sz="2400" dirty="0"/>
+            <a:endParaRPr lang="en-US" sz="3400" dirty="0"/>
           </a:p>
         </p:txBody>
       </p:sp>
@@ -1983,7 +1983,7 @@
         </p:nvSpPr>
         <p:spPr>
           <a:xfrm>
-            <a:off x="-407504" y="0"/>
+            <a:off x="0" y="0"/>
             <a:ext cx="14630400" cy="8229600"/>
           </a:xfrm>
           <a:prstGeom prst="rect">
@@ -2067,7 +2067,7 @@
               <a:buNone/>
             </a:pPr>
             <a:r>
-              <a:rPr lang="ru-RU" sz="2400" dirty="0" smtClean="0">
+              <a:rPr lang="ru-RU" sz="3400" dirty="0" smtClean="0">
                 <a:solidFill>
                   <a:srgbClr val="383838"/>
                 </a:solidFill>
@@ -2077,7 +2077,7 @@
               </a:rPr>
               <a:t>Сделано:</a:t>
             </a:r>
-            <a:endParaRPr lang="en-US" sz="2400" dirty="0"/>
+            <a:endParaRPr lang="en-US" sz="3400" dirty="0"/>
           </a:p>
         </p:txBody>
       </p:sp>
@@ -2227,7 +2227,7 @@
               <a:buNone/>
             </a:pPr>
             <a:r>
-              <a:rPr lang="ru-RU" sz="2400" dirty="0" smtClean="0">
+              <a:rPr lang="ru-RU" sz="3400" dirty="0" smtClean="0">
                 <a:solidFill>
                   <a:srgbClr val="383838"/>
                 </a:solidFill>
@@ -2237,7 +2237,7 @@
               </a:rPr>
               <a:t>В планах:</a:t>
             </a:r>
-            <a:endParaRPr lang="en-US" sz="2400" dirty="0"/>
+            <a:endParaRPr lang="en-US" sz="3400" dirty="0"/>
           </a:p>
         </p:txBody>
       </p:sp>
@@ -2541,7 +2541,6 @@
               <a:rPr lang="en-US" sz="3000" dirty="0"/>
               <a:t>https://app.swaggerhub.com/apis/ABADILUTFI54/HealHub-open-api_definition/v0</a:t>
             </a:r>
-            <a:endParaRPr lang="en-US" sz="3000" dirty="0"/>
           </a:p>
         </p:txBody>
       </p:sp>
@@ -2981,7 +2980,6 @@
               <a:rPr lang="en-US" sz="3000" dirty="0"/>
               <a:t>https://github.com/Fextice/HealHub</a:t>
             </a:r>
-            <a:endParaRPr lang="en-US" sz="3000" dirty="0"/>
           </a:p>
         </p:txBody>
       </p:sp>
@@ -3405,7 +3403,6 @@
               <a:rPr lang="en-US" sz="3000" dirty="0"/>
               <a:t>https://youtu.be/zVzhGBCHYiA</a:t>
             </a:r>
-            <a:endParaRPr lang="en-US" sz="3000" dirty="0"/>
           </a:p>
         </p:txBody>
       </p:sp>
